--- a/CAPS2/+.pptx
+++ b/CAPS2/+.pptx
@@ -104,11 +104,6 @@
       </a:defRPr>
     </a:lvl9pPr>
   </p:defaultTextStyle>
-  <p:extLst>
-    <p:ext uri="{EFAFB233-063F-42B5-8137-9DF3F51BA10A}">
-      <p15:sldGuideLst xmlns:p15="http://schemas.microsoft.com/office/powerpoint/2012/main"/>
-    </p:ext>
-  </p:extLst>
 </p:presentation>
 </file>
 
@@ -243,7 +238,7 @@
           <a:p>
             <a:fld id="{A8198082-DA43-486E-9DA2-642D4901B8CE}" type="datetimeFigureOut">
               <a:rPr lang="ko-KR" altLang="en-US" smtClean="0"/>
-              <a:t>2017-07-14</a:t>
+              <a:t>2017-06-13</a:t>
             </a:fld>
             <a:endParaRPr lang="ko-KR" altLang="en-US"/>
           </a:p>
@@ -413,7 +408,7 @@
           <a:p>
             <a:fld id="{A8198082-DA43-486E-9DA2-642D4901B8CE}" type="datetimeFigureOut">
               <a:rPr lang="ko-KR" altLang="en-US" smtClean="0"/>
-              <a:t>2017-07-14</a:t>
+              <a:t>2017-06-13</a:t>
             </a:fld>
             <a:endParaRPr lang="ko-KR" altLang="en-US"/>
           </a:p>
@@ -593,7 +588,7 @@
           <a:p>
             <a:fld id="{A8198082-DA43-486E-9DA2-642D4901B8CE}" type="datetimeFigureOut">
               <a:rPr lang="ko-KR" altLang="en-US" smtClean="0"/>
-              <a:t>2017-07-14</a:t>
+              <a:t>2017-06-13</a:t>
             </a:fld>
             <a:endParaRPr lang="ko-KR" altLang="en-US"/>
           </a:p>
@@ -763,7 +758,7 @@
           <a:p>
             <a:fld id="{A8198082-DA43-486E-9DA2-642D4901B8CE}" type="datetimeFigureOut">
               <a:rPr lang="ko-KR" altLang="en-US" smtClean="0"/>
-              <a:t>2017-07-14</a:t>
+              <a:t>2017-06-13</a:t>
             </a:fld>
             <a:endParaRPr lang="ko-KR" altLang="en-US"/>
           </a:p>
@@ -1009,7 +1004,7 @@
           <a:p>
             <a:fld id="{A8198082-DA43-486E-9DA2-642D4901B8CE}" type="datetimeFigureOut">
               <a:rPr lang="ko-KR" altLang="en-US" smtClean="0"/>
-              <a:t>2017-07-14</a:t>
+              <a:t>2017-06-13</a:t>
             </a:fld>
             <a:endParaRPr lang="ko-KR" altLang="en-US"/>
           </a:p>
@@ -1241,7 +1236,7 @@
           <a:p>
             <a:fld id="{A8198082-DA43-486E-9DA2-642D4901B8CE}" type="datetimeFigureOut">
               <a:rPr lang="ko-KR" altLang="en-US" smtClean="0"/>
-              <a:t>2017-07-14</a:t>
+              <a:t>2017-06-13</a:t>
             </a:fld>
             <a:endParaRPr lang="ko-KR" altLang="en-US"/>
           </a:p>
@@ -1608,7 +1603,7 @@
           <a:p>
             <a:fld id="{A8198082-DA43-486E-9DA2-642D4901B8CE}" type="datetimeFigureOut">
               <a:rPr lang="ko-KR" altLang="en-US" smtClean="0"/>
-              <a:t>2017-07-14</a:t>
+              <a:t>2017-06-13</a:t>
             </a:fld>
             <a:endParaRPr lang="ko-KR" altLang="en-US"/>
           </a:p>
@@ -1726,7 +1721,7 @@
           <a:p>
             <a:fld id="{A8198082-DA43-486E-9DA2-642D4901B8CE}" type="datetimeFigureOut">
               <a:rPr lang="ko-KR" altLang="en-US" smtClean="0"/>
-              <a:t>2017-07-14</a:t>
+              <a:t>2017-06-13</a:t>
             </a:fld>
             <a:endParaRPr lang="ko-KR" altLang="en-US"/>
           </a:p>
@@ -1821,7 +1816,7 @@
           <a:p>
             <a:fld id="{A8198082-DA43-486E-9DA2-642D4901B8CE}" type="datetimeFigureOut">
               <a:rPr lang="ko-KR" altLang="en-US" smtClean="0"/>
-              <a:t>2017-07-14</a:t>
+              <a:t>2017-06-13</a:t>
             </a:fld>
             <a:endParaRPr lang="ko-KR" altLang="en-US"/>
           </a:p>
@@ -2098,7 +2093,7 @@
           <a:p>
             <a:fld id="{A8198082-DA43-486E-9DA2-642D4901B8CE}" type="datetimeFigureOut">
               <a:rPr lang="ko-KR" altLang="en-US" smtClean="0"/>
-              <a:t>2017-07-14</a:t>
+              <a:t>2017-06-13</a:t>
             </a:fld>
             <a:endParaRPr lang="ko-KR" altLang="en-US"/>
           </a:p>
@@ -2351,7 +2346,7 @@
           <a:p>
             <a:fld id="{A8198082-DA43-486E-9DA2-642D4901B8CE}" type="datetimeFigureOut">
               <a:rPr lang="ko-KR" altLang="en-US" smtClean="0"/>
-              <a:t>2017-07-14</a:t>
+              <a:t>2017-06-13</a:t>
             </a:fld>
             <a:endParaRPr lang="ko-KR" altLang="en-US"/>
           </a:p>
@@ -2564,7 +2559,7 @@
           <a:p>
             <a:fld id="{A8198082-DA43-486E-9DA2-642D4901B8CE}" type="datetimeFigureOut">
               <a:rPr lang="ko-KR" altLang="en-US" smtClean="0"/>
-              <a:t>2017-07-14</a:t>
+              <a:t>2017-06-13</a:t>
             </a:fld>
             <a:endParaRPr lang="ko-KR" altLang="en-US"/>
           </a:p>
@@ -2988,7 +2983,7 @@
         </p:nvSpPr>
         <p:spPr>
           <a:xfrm>
-            <a:off x="5939028" y="3241548"/>
+            <a:off x="6144768" y="3218688"/>
             <a:ext cx="1188720" cy="369332"/>
           </a:xfrm>
           <a:prstGeom prst="rect">
@@ -3028,13 +3023,6 @@
   <p:clrMapOvr>
     <a:masterClrMapping/>
   </p:clrMapOvr>
-  <p:timing>
-    <p:tnLst>
-      <p:par>
-        <p:cTn id="1" dur="indefinite" restart="never" nodeType="tmRoot"/>
-      </p:par>
-    </p:tnLst>
-  </p:timing>
 </p:sld>
 </file>
 
